--- a/documentacion/clase 2.pptx
+++ b/documentacion/clase 2.pptx
@@ -13,9 +13,11 @@
     <p:sldId id="272" r:id="rId7"/>
     <p:sldId id="260" r:id="rId8"/>
     <p:sldId id="261" r:id="rId9"/>
-    <p:sldId id="270" r:id="rId10"/>
-    <p:sldId id="268" r:id="rId11"/>
-    <p:sldId id="269" r:id="rId12"/>
+    <p:sldId id="273" r:id="rId10"/>
+    <p:sldId id="274" r:id="rId11"/>
+    <p:sldId id="270" r:id="rId12"/>
+    <p:sldId id="268" r:id="rId13"/>
+    <p:sldId id="269" r:id="rId14"/>
   </p:sldIdLst>
   <p:sldSz cx="12192000" cy="6858000"/>
   <p:notesSz cx="6858000" cy="9144000"/>
@@ -844,7 +846,7 @@
           <a:p>
             <a:fld id="{06206417-23C8-4387-9E06-10B9E10D2224}" type="datetimeFigureOut">
               <a:rPr lang="es-PE" smtClean="0"/>
-              <a:t>28/04/2022</a:t>
+              <a:t>6/05/2022</a:t>
             </a:fld>
             <a:endParaRPr lang="es-PE"/>
           </a:p>
@@ -1095,7 +1097,7 @@
           <a:p>
             <a:fld id="{06206417-23C8-4387-9E06-10B9E10D2224}" type="datetimeFigureOut">
               <a:rPr lang="es-PE" smtClean="0"/>
-              <a:t>28/04/2022</a:t>
+              <a:t>6/05/2022</a:t>
             </a:fld>
             <a:endParaRPr lang="es-PE"/>
           </a:p>
@@ -1409,7 +1411,7 @@
           <a:p>
             <a:fld id="{06206417-23C8-4387-9E06-10B9E10D2224}" type="datetimeFigureOut">
               <a:rPr lang="es-PE" smtClean="0"/>
-              <a:t>28/04/2022</a:t>
+              <a:t>6/05/2022</a:t>
             </a:fld>
             <a:endParaRPr lang="es-PE"/>
           </a:p>
@@ -1750,7 +1752,7 @@
           <a:p>
             <a:fld id="{06206417-23C8-4387-9E06-10B9E10D2224}" type="datetimeFigureOut">
               <a:rPr lang="es-PE" smtClean="0"/>
-              <a:t>28/04/2022</a:t>
+              <a:t>6/05/2022</a:t>
             </a:fld>
             <a:endParaRPr lang="es-PE"/>
           </a:p>
@@ -2064,7 +2066,7 @@
           <a:p>
             <a:fld id="{06206417-23C8-4387-9E06-10B9E10D2224}" type="datetimeFigureOut">
               <a:rPr lang="es-PE" smtClean="0"/>
-              <a:t>28/04/2022</a:t>
+              <a:t>6/05/2022</a:t>
             </a:fld>
             <a:endParaRPr lang="es-PE"/>
           </a:p>
@@ -2457,7 +2459,7 @@
           <a:p>
             <a:fld id="{06206417-23C8-4387-9E06-10B9E10D2224}" type="datetimeFigureOut">
               <a:rPr lang="es-PE" smtClean="0"/>
-              <a:t>28/04/2022</a:t>
+              <a:t>6/05/2022</a:t>
             </a:fld>
             <a:endParaRPr lang="es-PE"/>
           </a:p>
@@ -2627,7 +2629,7 @@
           <a:p>
             <a:fld id="{06206417-23C8-4387-9E06-10B9E10D2224}" type="datetimeFigureOut">
               <a:rPr lang="es-PE" smtClean="0"/>
-              <a:t>28/04/2022</a:t>
+              <a:t>6/05/2022</a:t>
             </a:fld>
             <a:endParaRPr lang="es-PE"/>
           </a:p>
@@ -2807,7 +2809,7 @@
           <a:p>
             <a:fld id="{06206417-23C8-4387-9E06-10B9E10D2224}" type="datetimeFigureOut">
               <a:rPr lang="es-PE" smtClean="0"/>
-              <a:t>28/04/2022</a:t>
+              <a:t>6/05/2022</a:t>
             </a:fld>
             <a:endParaRPr lang="es-PE"/>
           </a:p>
@@ -2983,7 +2985,7 @@
           <a:p>
             <a:fld id="{06206417-23C8-4387-9E06-10B9E10D2224}" type="datetimeFigureOut">
               <a:rPr lang="es-PE" smtClean="0"/>
-              <a:t>28/04/2022</a:t>
+              <a:t>6/05/2022</a:t>
             </a:fld>
             <a:endParaRPr lang="es-PE"/>
           </a:p>
@@ -3230,7 +3232,7 @@
           <a:p>
             <a:fld id="{06206417-23C8-4387-9E06-10B9E10D2224}" type="datetimeFigureOut">
               <a:rPr lang="es-PE" smtClean="0"/>
-              <a:t>28/04/2022</a:t>
+              <a:t>6/05/2022</a:t>
             </a:fld>
             <a:endParaRPr lang="es-PE"/>
           </a:p>
@@ -3462,7 +3464,7 @@
           <a:p>
             <a:fld id="{06206417-23C8-4387-9E06-10B9E10D2224}" type="datetimeFigureOut">
               <a:rPr lang="es-PE" smtClean="0"/>
-              <a:t>28/04/2022</a:t>
+              <a:t>6/05/2022</a:t>
             </a:fld>
             <a:endParaRPr lang="es-PE"/>
           </a:p>
@@ -3836,7 +3838,7 @@
           <a:p>
             <a:fld id="{06206417-23C8-4387-9E06-10B9E10D2224}" type="datetimeFigureOut">
               <a:rPr lang="es-PE" smtClean="0"/>
-              <a:t>28/04/2022</a:t>
+              <a:t>6/05/2022</a:t>
             </a:fld>
             <a:endParaRPr lang="es-PE"/>
           </a:p>
@@ -3959,7 +3961,7 @@
           <a:p>
             <a:fld id="{06206417-23C8-4387-9E06-10B9E10D2224}" type="datetimeFigureOut">
               <a:rPr lang="es-PE" smtClean="0"/>
-              <a:t>28/04/2022</a:t>
+              <a:t>6/05/2022</a:t>
             </a:fld>
             <a:endParaRPr lang="es-PE"/>
           </a:p>
@@ -4054,7 +4056,7 @@
           <a:p>
             <a:fld id="{06206417-23C8-4387-9E06-10B9E10D2224}" type="datetimeFigureOut">
               <a:rPr lang="es-PE" smtClean="0"/>
-              <a:t>28/04/2022</a:t>
+              <a:t>6/05/2022</a:t>
             </a:fld>
             <a:endParaRPr lang="es-PE"/>
           </a:p>
@@ -4309,7 +4311,7 @@
           <a:p>
             <a:fld id="{06206417-23C8-4387-9E06-10B9E10D2224}" type="datetimeFigureOut">
               <a:rPr lang="es-PE" smtClean="0"/>
-              <a:t>28/04/2022</a:t>
+              <a:t>6/05/2022</a:t>
             </a:fld>
             <a:endParaRPr lang="es-PE"/>
           </a:p>
@@ -4572,7 +4574,7 @@
           <a:p>
             <a:fld id="{06206417-23C8-4387-9E06-10B9E10D2224}" type="datetimeFigureOut">
               <a:rPr lang="es-PE" smtClean="0"/>
-              <a:t>28/04/2022</a:t>
+              <a:t>6/05/2022</a:t>
             </a:fld>
             <a:endParaRPr lang="es-PE"/>
           </a:p>
@@ -5315,7 +5317,7 @@
           <a:p>
             <a:fld id="{06206417-23C8-4387-9E06-10B9E10D2224}" type="datetimeFigureOut">
               <a:rPr lang="es-PE" smtClean="0"/>
-              <a:t>28/04/2022</a:t>
+              <a:t>6/05/2022</a:t>
             </a:fld>
             <a:endParaRPr lang="es-PE"/>
           </a:p>
@@ -5976,6 +5978,267 @@
           <p:cNvPr id="2" name="Título 1">
             <a:extLst>
               <a:ext uri="{FF2B5EF4-FFF2-40B4-BE49-F238E27FC236}">
+                <a16:creationId xmlns:a16="http://schemas.microsoft.com/office/drawing/2014/main" id="{35334E23-EE8F-415B-8BCD-E057318EF51B}"/>
+              </a:ext>
+            </a:extLst>
+          </p:cNvPr>
+          <p:cNvSpPr>
+            <a:spLocks noGrp="1"/>
+          </p:cNvSpPr>
+          <p:nvPr>
+            <p:ph type="title"/>
+          </p:nvPr>
+        </p:nvSpPr>
+        <p:spPr/>
+        <p:txBody>
+          <a:bodyPr/>
+          <a:lstStyle/>
+          <a:p>
+            <a:r>
+              <a:rPr lang="en-US" dirty="0" err="1"/>
+              <a:t>Mejorando</a:t>
+            </a:r>
+            <a:r>
+              <a:rPr lang="en-US" dirty="0"/>
+              <a:t> </a:t>
+            </a:r>
+            <a:r>
+              <a:rPr lang="en-US" dirty="0" err="1"/>
+              <a:t>el</a:t>
+            </a:r>
+            <a:r>
+              <a:rPr lang="en-US" dirty="0"/>
+              <a:t> companies-</a:t>
+            </a:r>
+            <a:r>
+              <a:rPr lang="en-US" dirty="0" err="1"/>
+              <a:t>edit.component</a:t>
+            </a:r>
+            <a:endParaRPr lang="en-US" dirty="0"/>
+          </a:p>
+        </p:txBody>
+      </p:sp>
+      <p:pic>
+        <p:nvPicPr>
+          <p:cNvPr id="9" name="Marcador de contenido 8">
+            <a:extLst>
+              <a:ext uri="{FF2B5EF4-FFF2-40B4-BE49-F238E27FC236}">
+                <a16:creationId xmlns:a16="http://schemas.microsoft.com/office/drawing/2014/main" id="{DBE223D6-0B1E-4A33-AAE3-7D078B17056F}"/>
+              </a:ext>
+            </a:extLst>
+          </p:cNvPr>
+          <p:cNvPicPr>
+            <a:picLocks noGrp="1" noChangeAspect="1"/>
+          </p:cNvPicPr>
+          <p:nvPr>
+            <p:ph idx="1"/>
+          </p:nvPr>
+        </p:nvPicPr>
+        <p:blipFill>
+          <a:blip r:embed="rId2"/>
+          <a:stretch>
+            <a:fillRect/>
+          </a:stretch>
+        </p:blipFill>
+        <p:spPr>
+          <a:xfrm>
+            <a:off x="1264685" y="2160588"/>
+            <a:ext cx="7422668" cy="3881437"/>
+          </a:xfrm>
+        </p:spPr>
+      </p:pic>
+    </p:spTree>
+    <p:extLst>
+      <p:ext uri="{BB962C8B-B14F-4D97-AF65-F5344CB8AC3E}">
+        <p14:creationId xmlns:p14="http://schemas.microsoft.com/office/powerpoint/2010/main" val="638239817"/>
+      </p:ext>
+    </p:extLst>
+  </p:cSld>
+  <p:clrMapOvr>
+    <a:masterClrMapping/>
+  </p:clrMapOvr>
+</p:sld>
+</file>
+
+<file path=ppt/slides/slide11.xml><?xml version="1.0" encoding="utf-8"?>
+<p:sld xmlns:a="http://schemas.openxmlformats.org/drawingml/2006/main" xmlns:r="http://schemas.openxmlformats.org/officeDocument/2006/relationships" xmlns:p="http://schemas.openxmlformats.org/presentationml/2006/main">
+  <p:cSld>
+    <p:spTree>
+      <p:nvGrpSpPr>
+        <p:cNvPr id="1" name=""/>
+        <p:cNvGrpSpPr/>
+        <p:nvPr/>
+      </p:nvGrpSpPr>
+      <p:grpSpPr>
+        <a:xfrm>
+          <a:off x="0" y="0"/>
+          <a:ext cx="0" cy="0"/>
+          <a:chOff x="0" y="0"/>
+          <a:chExt cx="0" cy="0"/>
+        </a:xfrm>
+      </p:grpSpPr>
+      <p:sp>
+        <p:nvSpPr>
+          <p:cNvPr id="2" name="Título 1">
+            <a:extLst>
+              <a:ext uri="{FF2B5EF4-FFF2-40B4-BE49-F238E27FC236}">
+                <a16:creationId xmlns:a16="http://schemas.microsoft.com/office/drawing/2014/main" id="{3881C6D9-3E7F-4EA9-8BC6-A089D5D2E42C}"/>
+              </a:ext>
+            </a:extLst>
+          </p:cNvPr>
+          <p:cNvSpPr>
+            <a:spLocks noGrp="1"/>
+          </p:cNvSpPr>
+          <p:nvPr>
+            <p:ph type="title"/>
+          </p:nvPr>
+        </p:nvSpPr>
+        <p:spPr/>
+        <p:txBody>
+          <a:bodyPr/>
+          <a:lstStyle/>
+          <a:p>
+            <a:r>
+              <a:rPr lang="en-US" dirty="0"/>
+              <a:t>Link de </a:t>
+            </a:r>
+            <a:r>
+              <a:rPr lang="en-US" dirty="0" err="1"/>
+              <a:t>Github</a:t>
+            </a:r>
+            <a:endParaRPr lang="es-PE" dirty="0"/>
+          </a:p>
+        </p:txBody>
+      </p:sp>
+      <p:sp>
+        <p:nvSpPr>
+          <p:cNvPr id="3" name="Marcador de contenido 2">
+            <a:extLst>
+              <a:ext uri="{FF2B5EF4-FFF2-40B4-BE49-F238E27FC236}">
+                <a16:creationId xmlns:a16="http://schemas.microsoft.com/office/drawing/2014/main" id="{EFA6E735-8BF2-4E75-911F-47575655BD46}"/>
+              </a:ext>
+            </a:extLst>
+          </p:cNvPr>
+          <p:cNvSpPr>
+            <a:spLocks noGrp="1"/>
+          </p:cNvSpPr>
+          <p:nvPr>
+            <p:ph idx="1"/>
+          </p:nvPr>
+        </p:nvSpPr>
+        <p:spPr/>
+        <p:txBody>
+          <a:bodyPr/>
+          <a:lstStyle/>
+          <a:p>
+            <a:r>
+              <a:rPr lang="en-US" dirty="0"/>
+              <a:t>terminal/</a:t>
+            </a:r>
+            <a:r>
+              <a:rPr lang="en-US" dirty="0" err="1"/>
+              <a:t>app_dir</a:t>
+            </a:r>
+            <a:r>
+              <a:rPr lang="en-US" dirty="0"/>
+              <a:t>&gt; </a:t>
+            </a:r>
+            <a:r>
+              <a:rPr lang="es-PE" dirty="0" err="1"/>
+              <a:t>git</a:t>
+            </a:r>
+            <a:r>
+              <a:rPr lang="es-PE" dirty="0"/>
+              <a:t> clone  </a:t>
+            </a:r>
+            <a:r>
+              <a:rPr lang="es-PE" dirty="0">
+                <a:hlinkClick r:id="rId2"/>
+              </a:rPr>
+              <a:t>https://github.com/rabp99/app-heroes-frontend.git --</a:t>
+            </a:r>
+            <a:r>
+              <a:rPr lang="es-PE" dirty="0" err="1">
+                <a:hlinkClick r:id="rId2"/>
+              </a:rPr>
+              <a:t>branch</a:t>
+            </a:r>
+            <a:r>
+              <a:rPr lang="es-PE" dirty="0">
+                <a:hlinkClick r:id="rId2"/>
+              </a:rPr>
+              <a:t> v1.0.0</a:t>
+            </a:r>
+            <a:endParaRPr lang="es-PE" dirty="0"/>
+          </a:p>
+          <a:p>
+            <a:r>
+              <a:rPr lang="en-US" dirty="0"/>
+              <a:t>terminal/</a:t>
+            </a:r>
+            <a:r>
+              <a:rPr lang="en-US" dirty="0" err="1"/>
+              <a:t>app_dir</a:t>
+            </a:r>
+            <a:r>
+              <a:rPr lang="en-US" dirty="0"/>
+              <a:t>&gt;</a:t>
+            </a:r>
+            <a:r>
+              <a:rPr lang="es-PE" dirty="0"/>
+              <a:t> </a:t>
+            </a:r>
+            <a:r>
+              <a:rPr lang="es-PE" dirty="0" err="1"/>
+              <a:t>npm</a:t>
+            </a:r>
+            <a:r>
+              <a:rPr lang="es-PE" dirty="0"/>
+              <a:t> </a:t>
+            </a:r>
+            <a:r>
+              <a:rPr lang="es-PE" dirty="0" err="1"/>
+              <a:t>install</a:t>
+            </a:r>
+            <a:endParaRPr lang="es-PE" dirty="0"/>
+          </a:p>
+        </p:txBody>
+      </p:sp>
+    </p:spTree>
+    <p:extLst>
+      <p:ext uri="{BB962C8B-B14F-4D97-AF65-F5344CB8AC3E}">
+        <p14:creationId xmlns:p14="http://schemas.microsoft.com/office/powerpoint/2010/main" val="3334021577"/>
+      </p:ext>
+    </p:extLst>
+  </p:cSld>
+  <p:clrMapOvr>
+    <a:masterClrMapping/>
+  </p:clrMapOvr>
+</p:sld>
+</file>
+
+<file path=ppt/slides/slide12.xml><?xml version="1.0" encoding="utf-8"?>
+<p:sld xmlns:a="http://schemas.openxmlformats.org/drawingml/2006/main" xmlns:r="http://schemas.openxmlformats.org/officeDocument/2006/relationships" xmlns:p="http://schemas.openxmlformats.org/presentationml/2006/main">
+  <p:cSld>
+    <p:spTree>
+      <p:nvGrpSpPr>
+        <p:cNvPr id="1" name=""/>
+        <p:cNvGrpSpPr/>
+        <p:nvPr/>
+      </p:nvGrpSpPr>
+      <p:grpSpPr>
+        <a:xfrm>
+          <a:off x="0" y="0"/>
+          <a:ext cx="0" cy="0"/>
+          <a:chOff x="0" y="0"/>
+          <a:chExt cx="0" cy="0"/>
+        </a:xfrm>
+      </p:grpSpPr>
+      <p:sp>
+        <p:nvSpPr>
+          <p:cNvPr id="2" name="Título 1">
+            <a:extLst>
+              <a:ext uri="{FF2B5EF4-FFF2-40B4-BE49-F238E27FC236}">
                 <a16:creationId xmlns:a16="http://schemas.microsoft.com/office/drawing/2014/main" id="{B1969F93-05F5-401F-A378-D4EC005447D7}"/>
               </a:ext>
             </a:extLst>
@@ -6042,7 +6305,7 @@
 </p:sld>
 </file>
 
-<file path=ppt/slides/slide11.xml><?xml version="1.0" encoding="utf-8"?>
+<file path=ppt/slides/slide13.xml><?xml version="1.0" encoding="utf-8"?>
 <p:sld xmlns:a="http://schemas.openxmlformats.org/drawingml/2006/main" xmlns:r="http://schemas.openxmlformats.org/officeDocument/2006/relationships" xmlns:p="http://schemas.openxmlformats.org/presentationml/2006/main">
   <p:cSld>
     <p:spTree>
@@ -7064,31 +7327,35 @@
           </a:p>
         </p:txBody>
       </p:sp>
-      <p:sp>
-        <p:nvSpPr>
-          <p:cNvPr id="3" name="Marcador de contenido 2">
+      <p:pic>
+        <p:nvPicPr>
+          <p:cNvPr id="11" name="Marcador de contenido 10">
             <a:extLst>
               <a:ext uri="{FF2B5EF4-FFF2-40B4-BE49-F238E27FC236}">
-                <a16:creationId xmlns:a16="http://schemas.microsoft.com/office/drawing/2014/main" id="{756F30A0-9FDF-4238-9FB7-749A71AD359D}"/>
+                <a16:creationId xmlns:a16="http://schemas.microsoft.com/office/drawing/2014/main" id="{772445A9-086E-453F-98EF-615982093EC8}"/>
               </a:ext>
             </a:extLst>
           </p:cNvPr>
-          <p:cNvSpPr>
-            <a:spLocks noGrp="1"/>
-          </p:cNvSpPr>
+          <p:cNvPicPr>
+            <a:picLocks noGrp="1" noChangeAspect="1"/>
+          </p:cNvPicPr>
           <p:nvPr>
             <p:ph idx="1"/>
           </p:nvPr>
-        </p:nvSpPr>
-        <p:spPr/>
-        <p:txBody>
-          <a:bodyPr/>
-          <a:lstStyle/>
-          <a:p>
-            <a:endParaRPr lang="en-US" dirty="0"/>
-          </a:p>
-        </p:txBody>
-      </p:sp>
+        </p:nvPicPr>
+        <p:blipFill>
+          <a:blip r:embed="rId2"/>
+          <a:stretch>
+            <a:fillRect/>
+          </a:stretch>
+        </p:blipFill>
+        <p:spPr>
+          <a:xfrm>
+            <a:off x="1225924" y="2160588"/>
+            <a:ext cx="7500190" cy="3881437"/>
+          </a:xfrm>
+        </p:spPr>
+      </p:pic>
     </p:spTree>
     <p:extLst>
       <p:ext uri="{BB962C8B-B14F-4D97-AF65-F5344CB8AC3E}">
@@ -7124,7 +7391,7 @@
           <p:cNvPr id="2" name="Título 1">
             <a:extLst>
               <a:ext uri="{FF2B5EF4-FFF2-40B4-BE49-F238E27FC236}">
-                <a16:creationId xmlns:a16="http://schemas.microsoft.com/office/drawing/2014/main" id="{3881C6D9-3E7F-4EA9-8BC6-A089D5D2E42C}"/>
+                <a16:creationId xmlns:a16="http://schemas.microsoft.com/office/drawing/2014/main" id="{35334E23-EE8F-415B-8BCD-E057318EF51B}"/>
               </a:ext>
             </a:extLst>
           </p:cNvPr>
@@ -7141,99 +7408,62 @@
           <a:lstStyle/>
           <a:p>
             <a:r>
+              <a:rPr lang="en-US" dirty="0" err="1"/>
+              <a:t>Mejorando</a:t>
+            </a:r>
+            <a:r>
               <a:rPr lang="en-US" dirty="0"/>
-              <a:t>Link de </a:t>
+              <a:t> </a:t>
             </a:r>
             <a:r>
               <a:rPr lang="en-US" dirty="0" err="1"/>
-              <a:t>Github</a:t>
-            </a:r>
-            <a:endParaRPr lang="es-PE" dirty="0"/>
-          </a:p>
-        </p:txBody>
-      </p:sp>
-      <p:sp>
-        <p:nvSpPr>
-          <p:cNvPr id="3" name="Marcador de contenido 2">
+              <a:t>el</a:t>
+            </a:r>
+            <a:r>
+              <a:rPr lang="en-US" dirty="0"/>
+              <a:t> companies-</a:t>
+            </a:r>
+            <a:r>
+              <a:rPr lang="en-US" dirty="0" err="1"/>
+              <a:t>add.component</a:t>
+            </a:r>
+            <a:endParaRPr lang="en-US" dirty="0"/>
+          </a:p>
+        </p:txBody>
+      </p:sp>
+      <p:pic>
+        <p:nvPicPr>
+          <p:cNvPr id="11" name="Marcador de contenido 10">
             <a:extLst>
               <a:ext uri="{FF2B5EF4-FFF2-40B4-BE49-F238E27FC236}">
-                <a16:creationId xmlns:a16="http://schemas.microsoft.com/office/drawing/2014/main" id="{EFA6E735-8BF2-4E75-911F-47575655BD46}"/>
+                <a16:creationId xmlns:a16="http://schemas.microsoft.com/office/drawing/2014/main" id="{772693AD-B880-461F-B57F-CE13794D6815}"/>
               </a:ext>
             </a:extLst>
           </p:cNvPr>
-          <p:cNvSpPr>
-            <a:spLocks noGrp="1"/>
-          </p:cNvSpPr>
+          <p:cNvPicPr>
+            <a:picLocks noGrp="1" noChangeAspect="1"/>
+          </p:cNvPicPr>
           <p:nvPr>
             <p:ph idx="1"/>
           </p:nvPr>
-        </p:nvSpPr>
-        <p:spPr/>
-        <p:txBody>
-          <a:bodyPr/>
-          <a:lstStyle/>
-          <a:p>
-            <a:r>
-              <a:rPr lang="en-US" dirty="0"/>
-              <a:t>terminal/websites&gt; </a:t>
-            </a:r>
-            <a:r>
-              <a:rPr lang="es-PE" dirty="0" err="1"/>
-              <a:t>git</a:t>
-            </a:r>
-            <a:r>
-              <a:rPr lang="es-PE" dirty="0"/>
-              <a:t> clone  </a:t>
-            </a:r>
-            <a:r>
-              <a:rPr lang="es-PE" dirty="0">
-                <a:hlinkClick r:id="rId2"/>
-              </a:rPr>
-              <a:t>https://github.com/rabp99/app-heroes-frontend.git --</a:t>
-            </a:r>
-            <a:r>
-              <a:rPr lang="es-PE" dirty="0" err="1">
-                <a:hlinkClick r:id="rId2"/>
-              </a:rPr>
-              <a:t>branch</a:t>
-            </a:r>
-            <a:r>
-              <a:rPr lang="es-PE" dirty="0">
-                <a:hlinkClick r:id="rId2"/>
-              </a:rPr>
-              <a:t> v1.0.0</a:t>
-            </a:r>
-            <a:endParaRPr lang="es-PE" dirty="0"/>
-          </a:p>
-          <a:p>
-            <a:r>
-              <a:rPr lang="en-US" dirty="0"/>
-              <a:t>terminal/websites&gt;</a:t>
-            </a:r>
-            <a:r>
-              <a:rPr lang="es-PE" dirty="0"/>
-              <a:t> </a:t>
-            </a:r>
-            <a:r>
-              <a:rPr lang="es-PE" dirty="0" err="1"/>
-              <a:t>npm</a:t>
-            </a:r>
-            <a:r>
-              <a:rPr lang="es-PE" dirty="0"/>
-              <a:t> </a:t>
-            </a:r>
-            <a:r>
-              <a:rPr lang="es-PE" dirty="0" err="1"/>
-              <a:t>install</a:t>
-            </a:r>
-            <a:endParaRPr lang="es-PE" dirty="0"/>
-          </a:p>
-        </p:txBody>
-      </p:sp>
+        </p:nvPicPr>
+        <p:blipFill>
+          <a:blip r:embed="rId2"/>
+          <a:stretch>
+            <a:fillRect/>
+          </a:stretch>
+        </p:blipFill>
+        <p:spPr>
+          <a:xfrm>
+            <a:off x="1246109" y="2160588"/>
+            <a:ext cx="7459819" cy="3881437"/>
+          </a:xfrm>
+        </p:spPr>
+      </p:pic>
     </p:spTree>
     <p:extLst>
       <p:ext uri="{BB962C8B-B14F-4D97-AF65-F5344CB8AC3E}">
-        <p14:creationId xmlns:p14="http://schemas.microsoft.com/office/powerpoint/2010/main" val="3334021577"/>
+        <p14:creationId xmlns:p14="http://schemas.microsoft.com/office/powerpoint/2010/main" val="320994567"/>
       </p:ext>
     </p:extLst>
   </p:cSld>

--- a/documentacion/clase 2.pptx
+++ b/documentacion/clase 2.pptx
@@ -17,7 +17,6 @@
     <p:sldId id="274" r:id="rId11"/>
     <p:sldId id="270" r:id="rId12"/>
     <p:sldId id="268" r:id="rId13"/>
-    <p:sldId id="269" r:id="rId14"/>
   </p:sldIdLst>
   <p:sldSz cx="12192000" cy="6858000"/>
   <p:notesSz cx="6858000" cy="9144000"/>
@@ -846,7 +845,7 @@
           <a:p>
             <a:fld id="{06206417-23C8-4387-9E06-10B9E10D2224}" type="datetimeFigureOut">
               <a:rPr lang="es-PE" smtClean="0"/>
-              <a:t>6/05/2022</a:t>
+              <a:t>27/05/2022</a:t>
             </a:fld>
             <a:endParaRPr lang="es-PE"/>
           </a:p>
@@ -1097,7 +1096,7 @@
           <a:p>
             <a:fld id="{06206417-23C8-4387-9E06-10B9E10D2224}" type="datetimeFigureOut">
               <a:rPr lang="es-PE" smtClean="0"/>
-              <a:t>6/05/2022</a:t>
+              <a:t>27/05/2022</a:t>
             </a:fld>
             <a:endParaRPr lang="es-PE"/>
           </a:p>
@@ -1411,7 +1410,7 @@
           <a:p>
             <a:fld id="{06206417-23C8-4387-9E06-10B9E10D2224}" type="datetimeFigureOut">
               <a:rPr lang="es-PE" smtClean="0"/>
-              <a:t>6/05/2022</a:t>
+              <a:t>27/05/2022</a:t>
             </a:fld>
             <a:endParaRPr lang="es-PE"/>
           </a:p>
@@ -1752,7 +1751,7 @@
           <a:p>
             <a:fld id="{06206417-23C8-4387-9E06-10B9E10D2224}" type="datetimeFigureOut">
               <a:rPr lang="es-PE" smtClean="0"/>
-              <a:t>6/05/2022</a:t>
+              <a:t>27/05/2022</a:t>
             </a:fld>
             <a:endParaRPr lang="es-PE"/>
           </a:p>
@@ -2066,7 +2065,7 @@
           <a:p>
             <a:fld id="{06206417-23C8-4387-9E06-10B9E10D2224}" type="datetimeFigureOut">
               <a:rPr lang="es-PE" smtClean="0"/>
-              <a:t>6/05/2022</a:t>
+              <a:t>27/05/2022</a:t>
             </a:fld>
             <a:endParaRPr lang="es-PE"/>
           </a:p>
@@ -2459,7 +2458,7 @@
           <a:p>
             <a:fld id="{06206417-23C8-4387-9E06-10B9E10D2224}" type="datetimeFigureOut">
               <a:rPr lang="es-PE" smtClean="0"/>
-              <a:t>6/05/2022</a:t>
+              <a:t>27/05/2022</a:t>
             </a:fld>
             <a:endParaRPr lang="es-PE"/>
           </a:p>
@@ -2629,7 +2628,7 @@
           <a:p>
             <a:fld id="{06206417-23C8-4387-9E06-10B9E10D2224}" type="datetimeFigureOut">
               <a:rPr lang="es-PE" smtClean="0"/>
-              <a:t>6/05/2022</a:t>
+              <a:t>27/05/2022</a:t>
             </a:fld>
             <a:endParaRPr lang="es-PE"/>
           </a:p>
@@ -2809,7 +2808,7 @@
           <a:p>
             <a:fld id="{06206417-23C8-4387-9E06-10B9E10D2224}" type="datetimeFigureOut">
               <a:rPr lang="es-PE" smtClean="0"/>
-              <a:t>6/05/2022</a:t>
+              <a:t>27/05/2022</a:t>
             </a:fld>
             <a:endParaRPr lang="es-PE"/>
           </a:p>
@@ -2985,7 +2984,7 @@
           <a:p>
             <a:fld id="{06206417-23C8-4387-9E06-10B9E10D2224}" type="datetimeFigureOut">
               <a:rPr lang="es-PE" smtClean="0"/>
-              <a:t>6/05/2022</a:t>
+              <a:t>27/05/2022</a:t>
             </a:fld>
             <a:endParaRPr lang="es-PE"/>
           </a:p>
@@ -3232,7 +3231,7 @@
           <a:p>
             <a:fld id="{06206417-23C8-4387-9E06-10B9E10D2224}" type="datetimeFigureOut">
               <a:rPr lang="es-PE" smtClean="0"/>
-              <a:t>6/05/2022</a:t>
+              <a:t>27/05/2022</a:t>
             </a:fld>
             <a:endParaRPr lang="es-PE"/>
           </a:p>
@@ -3464,7 +3463,7 @@
           <a:p>
             <a:fld id="{06206417-23C8-4387-9E06-10B9E10D2224}" type="datetimeFigureOut">
               <a:rPr lang="es-PE" smtClean="0"/>
-              <a:t>6/05/2022</a:t>
+              <a:t>27/05/2022</a:t>
             </a:fld>
             <a:endParaRPr lang="es-PE"/>
           </a:p>
@@ -3838,7 +3837,7 @@
           <a:p>
             <a:fld id="{06206417-23C8-4387-9E06-10B9E10D2224}" type="datetimeFigureOut">
               <a:rPr lang="es-PE" smtClean="0"/>
-              <a:t>6/05/2022</a:t>
+              <a:t>27/05/2022</a:t>
             </a:fld>
             <a:endParaRPr lang="es-PE"/>
           </a:p>
@@ -3961,7 +3960,7 @@
           <a:p>
             <a:fld id="{06206417-23C8-4387-9E06-10B9E10D2224}" type="datetimeFigureOut">
               <a:rPr lang="es-PE" smtClean="0"/>
-              <a:t>6/05/2022</a:t>
+              <a:t>27/05/2022</a:t>
             </a:fld>
             <a:endParaRPr lang="es-PE"/>
           </a:p>
@@ -4056,7 +4055,7 @@
           <a:p>
             <a:fld id="{06206417-23C8-4387-9E06-10B9E10D2224}" type="datetimeFigureOut">
               <a:rPr lang="es-PE" smtClean="0"/>
-              <a:t>6/05/2022</a:t>
+              <a:t>27/05/2022</a:t>
             </a:fld>
             <a:endParaRPr lang="es-PE"/>
           </a:p>
@@ -4311,7 +4310,7 @@
           <a:p>
             <a:fld id="{06206417-23C8-4387-9E06-10B9E10D2224}" type="datetimeFigureOut">
               <a:rPr lang="es-PE" smtClean="0"/>
-              <a:t>6/05/2022</a:t>
+              <a:t>27/05/2022</a:t>
             </a:fld>
             <a:endParaRPr lang="es-PE"/>
           </a:p>
@@ -4574,7 +4573,7 @@
           <a:p>
             <a:fld id="{06206417-23C8-4387-9E06-10B9E10D2224}" type="datetimeFigureOut">
               <a:rPr lang="es-PE" smtClean="0"/>
-              <a:t>6/05/2022</a:t>
+              <a:t>27/05/2022</a:t>
             </a:fld>
             <a:endParaRPr lang="es-PE"/>
           </a:p>
@@ -5317,7 +5316,7 @@
           <a:p>
             <a:fld id="{06206417-23C8-4387-9E06-10B9E10D2224}" type="datetimeFigureOut">
               <a:rPr lang="es-PE" smtClean="0"/>
-              <a:t>6/05/2022</a:t>
+              <a:t>27/05/2022</a:t>
             </a:fld>
             <a:endParaRPr lang="es-PE"/>
           </a:p>
@@ -5868,7 +5867,11 @@
             </a:r>
             <a:r>
               <a:rPr lang="en-US" dirty="0"/>
-              <a:t> de Angular</a:t>
+              <a:t> </a:t>
+            </a:r>
+            <a:r>
+              <a:rPr lang="en-US"/>
+              <a:t>de Angular - 2</a:t>
             </a:r>
             <a:endParaRPr lang="es-PE" dirty="0"/>
           </a:p>
@@ -6167,7 +6170,7 @@
               <a:rPr lang="es-PE" dirty="0">
                 <a:hlinkClick r:id="rId2"/>
               </a:rPr>
-              <a:t> v1.0.0</a:t>
+              <a:t> v2.0.0</a:t>
             </a:r>
             <a:endParaRPr lang="es-PE" dirty="0"/>
           </a:p>
@@ -6263,127 +6266,38 @@
           </a:p>
         </p:txBody>
       </p:sp>
-      <p:pic>
-        <p:nvPicPr>
-          <p:cNvPr id="5" name="Marcador de contenido 4">
+      <p:sp>
+        <p:nvSpPr>
+          <p:cNvPr id="4" name="Marcador de contenido 3">
             <a:extLst>
               <a:ext uri="{FF2B5EF4-FFF2-40B4-BE49-F238E27FC236}">
-                <a16:creationId xmlns:a16="http://schemas.microsoft.com/office/drawing/2014/main" id="{5250E3F9-5AD8-420B-85ED-77690F3D421D}"/>
+                <a16:creationId xmlns:a16="http://schemas.microsoft.com/office/drawing/2014/main" id="{A2A7519B-C8E6-4F05-B540-D12F5D428CB4}"/>
               </a:ext>
             </a:extLst>
           </p:cNvPr>
-          <p:cNvPicPr>
-            <a:picLocks noGrp="1" noChangeAspect="1"/>
-          </p:cNvPicPr>
+          <p:cNvSpPr>
+            <a:spLocks noGrp="1"/>
+          </p:cNvSpPr>
           <p:nvPr>
             <p:ph idx="1"/>
           </p:nvPr>
-        </p:nvPicPr>
-        <p:blipFill>
-          <a:blip r:embed="rId2"/>
-          <a:stretch>
-            <a:fillRect/>
-          </a:stretch>
-        </p:blipFill>
-        <p:spPr>
-          <a:xfrm>
-            <a:off x="677863" y="2310408"/>
-            <a:ext cx="8596312" cy="3581796"/>
-          </a:xfrm>
-        </p:spPr>
-      </p:pic>
+        </p:nvSpPr>
+        <p:spPr/>
+        <p:txBody>
+          <a:bodyPr/>
+          <a:lstStyle/>
+          <a:p>
+            <a:r>
+              <a:rPr lang="es-PE" dirty="0"/>
+              <a:t>https://material.angular.io/</a:t>
+            </a:r>
+          </a:p>
+        </p:txBody>
+      </p:sp>
     </p:spTree>
     <p:extLst>
       <p:ext uri="{BB962C8B-B14F-4D97-AF65-F5344CB8AC3E}">
         <p14:creationId xmlns:p14="http://schemas.microsoft.com/office/powerpoint/2010/main" val="2383854808"/>
-      </p:ext>
-    </p:extLst>
-  </p:cSld>
-  <p:clrMapOvr>
-    <a:masterClrMapping/>
-  </p:clrMapOvr>
-</p:sld>
-</file>
-
-<file path=ppt/slides/slide13.xml><?xml version="1.0" encoding="utf-8"?>
-<p:sld xmlns:a="http://schemas.openxmlformats.org/drawingml/2006/main" xmlns:r="http://schemas.openxmlformats.org/officeDocument/2006/relationships" xmlns:p="http://schemas.openxmlformats.org/presentationml/2006/main">
-  <p:cSld>
-    <p:spTree>
-      <p:nvGrpSpPr>
-        <p:cNvPr id="1" name=""/>
-        <p:cNvGrpSpPr/>
-        <p:nvPr/>
-      </p:nvGrpSpPr>
-      <p:grpSpPr>
-        <a:xfrm>
-          <a:off x="0" y="0"/>
-          <a:ext cx="0" cy="0"/>
-          <a:chOff x="0" y="0"/>
-          <a:chExt cx="0" cy="0"/>
-        </a:xfrm>
-      </p:grpSpPr>
-      <p:sp>
-        <p:nvSpPr>
-          <p:cNvPr id="2" name="Título 1">
-            <a:extLst>
-              <a:ext uri="{FF2B5EF4-FFF2-40B4-BE49-F238E27FC236}">
-                <a16:creationId xmlns:a16="http://schemas.microsoft.com/office/drawing/2014/main" id="{FCE29C5E-4662-4F3A-AFB3-701672D2A406}"/>
-              </a:ext>
-            </a:extLst>
-          </p:cNvPr>
-          <p:cNvSpPr>
-            <a:spLocks noGrp="1"/>
-          </p:cNvSpPr>
-          <p:nvPr>
-            <p:ph type="title"/>
-          </p:nvPr>
-        </p:nvSpPr>
-        <p:spPr/>
-        <p:txBody>
-          <a:bodyPr/>
-          <a:lstStyle/>
-          <a:p>
-            <a:r>
-              <a:rPr lang="en-US" dirty="0" err="1"/>
-              <a:t>Anexos</a:t>
-            </a:r>
-            <a:endParaRPr lang="es-PE" dirty="0"/>
-          </a:p>
-        </p:txBody>
-      </p:sp>
-      <p:pic>
-        <p:nvPicPr>
-          <p:cNvPr id="5" name="Marcador de contenido 4">
-            <a:extLst>
-              <a:ext uri="{FF2B5EF4-FFF2-40B4-BE49-F238E27FC236}">
-                <a16:creationId xmlns:a16="http://schemas.microsoft.com/office/drawing/2014/main" id="{FC4A19FF-E8E0-49CE-9180-6AD8E1EF58BA}"/>
-              </a:ext>
-            </a:extLst>
-          </p:cNvPr>
-          <p:cNvPicPr>
-            <a:picLocks noGrp="1" noChangeAspect="1"/>
-          </p:cNvPicPr>
-          <p:nvPr>
-            <p:ph idx="1"/>
-          </p:nvPr>
-        </p:nvPicPr>
-        <p:blipFill>
-          <a:blip r:embed="rId2"/>
-          <a:stretch>
-            <a:fillRect/>
-          </a:stretch>
-        </p:blipFill>
-        <p:spPr>
-          <a:xfrm>
-            <a:off x="2152587" y="2160588"/>
-            <a:ext cx="5646864" cy="3881437"/>
-          </a:xfrm>
-        </p:spPr>
-      </p:pic>
-    </p:spTree>
-    <p:extLst>
-      <p:ext uri="{BB962C8B-B14F-4D97-AF65-F5344CB8AC3E}">
-        <p14:creationId xmlns:p14="http://schemas.microsoft.com/office/powerpoint/2010/main" val="4240613488"/>
       </p:ext>
     </p:extLst>
   </p:cSld>
@@ -6463,48 +6377,48 @@
           <a:lstStyle/>
           <a:p>
             <a:r>
-              <a:rPr lang="en-US" dirty="0" err="1"/>
+              <a:rPr lang="en-US" strike="sngStrike" dirty="0" err="1"/>
               <a:t>Instalar</a:t>
             </a:r>
             <a:r>
-              <a:rPr lang="en-US" dirty="0"/>
+              <a:rPr lang="en-US" strike="sngStrike" dirty="0"/>
               <a:t> plugins para Visual Studio Code</a:t>
             </a:r>
-            <a:endParaRPr lang="en-US" u="sng" dirty="0"/>
-          </a:p>
-          <a:p>
-            <a:r>
-              <a:rPr lang="en-US" dirty="0" err="1"/>
+            <a:endParaRPr lang="en-US" u="sng" strike="sngStrike" dirty="0"/>
+          </a:p>
+          <a:p>
+            <a:r>
+              <a:rPr lang="en-US" strike="sngStrike" dirty="0" err="1"/>
               <a:t>Instalar</a:t>
             </a:r>
             <a:r>
-              <a:rPr lang="en-US" dirty="0"/>
+              <a:rPr lang="en-US" strike="sngStrike" dirty="0"/>
               <a:t> angular material</a:t>
             </a:r>
           </a:p>
           <a:p>
             <a:r>
-              <a:rPr lang="en-US" dirty="0" err="1"/>
+              <a:rPr lang="en-US" strike="sngStrike" dirty="0" err="1"/>
               <a:t>Creando</a:t>
             </a:r>
             <a:r>
-              <a:rPr lang="en-US" dirty="0"/>
+              <a:rPr lang="en-US" strike="sngStrike" dirty="0"/>
               <a:t> </a:t>
             </a:r>
             <a:r>
-              <a:rPr lang="en-US" dirty="0" err="1"/>
+              <a:rPr lang="en-US" strike="sngStrike" dirty="0" err="1"/>
               <a:t>páginas</a:t>
             </a:r>
             <a:r>
-              <a:rPr lang="en-US" dirty="0"/>
+              <a:rPr lang="en-US" strike="sngStrike" dirty="0"/>
               <a:t> a </a:t>
             </a:r>
             <a:r>
-              <a:rPr lang="en-US" dirty="0" err="1"/>
+              <a:rPr lang="en-US" strike="sngStrike" dirty="0" err="1"/>
               <a:t>partir</a:t>
             </a:r>
             <a:r>
-              <a:rPr lang="en-US" dirty="0"/>
+              <a:rPr lang="en-US" strike="sngStrike" dirty="0"/>
               <a:t> de schematics</a:t>
             </a:r>
           </a:p>
